--- a/Preproposal presentation.pptx
+++ b/Preproposal presentation.pptx
@@ -112,6 +112,65 @@
     </a:lvl9pPr>
   </p:defaultTextStyle>
 </p:presentation>
+</file>
+
+<file path=ppt/changesInfos/changesInfo1.xml><?xml version="1.0" encoding="utf-8"?>
+<pc:chgInfo xmlns:a="http://schemas.openxmlformats.org/drawingml/2006/main" xmlns:r="http://schemas.openxmlformats.org/officeDocument/2006/relationships" xmlns:ac="http://schemas.microsoft.com/office/drawing/2013/main/command" xmlns:pc="http://schemas.microsoft.com/office/powerpoint/2013/main/command">
+  <pc:docChgLst>
+    <pc:chgData name="Jeffrey Bailey" userId="094cb85a5fa43bdf" providerId="LiveId" clId="{6A11D3B6-22BD-40D0-87F4-C1BAA7B4475B}"/>
+    <pc:docChg chg="modSld">
+      <pc:chgData name="Jeffrey Bailey" userId="094cb85a5fa43bdf" providerId="LiveId" clId="{6A11D3B6-22BD-40D0-87F4-C1BAA7B4475B}" dt="2018-04-27T05:36:02.269" v="296" actId="1076"/>
+      <pc:docMkLst>
+        <pc:docMk/>
+      </pc:docMkLst>
+      <pc:sldChg chg="modSp">
+        <pc:chgData name="Jeffrey Bailey" userId="094cb85a5fa43bdf" providerId="LiveId" clId="{6A11D3B6-22BD-40D0-87F4-C1BAA7B4475B}" dt="2018-04-27T05:35:46.974" v="295" actId="20577"/>
+        <pc:sldMkLst>
+          <pc:docMk/>
+          <pc:sldMk cId="2548556833" sldId="260"/>
+        </pc:sldMkLst>
+        <pc:spChg chg="mod">
+          <ac:chgData name="Jeffrey Bailey" userId="094cb85a5fa43bdf" providerId="LiveId" clId="{6A11D3B6-22BD-40D0-87F4-C1BAA7B4475B}" dt="2018-04-27T05:35:46.974" v="295" actId="20577"/>
+          <ac:spMkLst>
+            <pc:docMk/>
+            <pc:sldMk cId="2548556833" sldId="260"/>
+            <ac:spMk id="3" creationId="{CB5834F3-3C31-4B49-9616-A1C9C2EC2950}"/>
+          </ac:spMkLst>
+        </pc:spChg>
+      </pc:sldChg>
+      <pc:sldChg chg="modSp">
+        <pc:chgData name="Jeffrey Bailey" userId="094cb85a5fa43bdf" providerId="LiveId" clId="{6A11D3B6-22BD-40D0-87F4-C1BAA7B4475B}" dt="2018-04-27T05:36:02.269" v="296" actId="1076"/>
+        <pc:sldMkLst>
+          <pc:docMk/>
+          <pc:sldMk cId="278273717" sldId="261"/>
+        </pc:sldMkLst>
+        <pc:spChg chg="mod">
+          <ac:chgData name="Jeffrey Bailey" userId="094cb85a5fa43bdf" providerId="LiveId" clId="{6A11D3B6-22BD-40D0-87F4-C1BAA7B4475B}" dt="2018-04-27T05:36:02.269" v="296" actId="1076"/>
+          <ac:spMkLst>
+            <pc:docMk/>
+            <pc:sldMk cId="278273717" sldId="261"/>
+            <ac:spMk id="12" creationId="{79A3151E-4B0B-4E71-9604-4AF686D13C8E}"/>
+          </ac:spMkLst>
+        </pc:spChg>
+      </pc:sldChg>
+      <pc:sldChg chg="modSp">
+        <pc:chgData name="Jeffrey Bailey" userId="094cb85a5fa43bdf" providerId="LiveId" clId="{6A11D3B6-22BD-40D0-87F4-C1BAA7B4475B}" dt="2018-04-27T05:32:48.905" v="126" actId="20577"/>
+        <pc:sldMkLst>
+          <pc:docMk/>
+          <pc:sldMk cId="167852364" sldId="263"/>
+        </pc:sldMkLst>
+        <pc:spChg chg="mod">
+          <ac:chgData name="Jeffrey Bailey" userId="094cb85a5fa43bdf" providerId="LiveId" clId="{6A11D3B6-22BD-40D0-87F4-C1BAA7B4475B}" dt="2018-04-27T05:32:48.905" v="126" actId="20577"/>
+          <ac:spMkLst>
+            <pc:docMk/>
+            <pc:sldMk cId="167852364" sldId="263"/>
+            <ac:spMk id="3" creationId="{CB5834F3-3C31-4B49-9616-A1C9C2EC2950}"/>
+          </ac:spMkLst>
+        </pc:spChg>
+      </pc:sldChg>
+    </pc:docChg>
+  </pc:docChgLst>
+</pc:chgInfo>
 </file>
 
 <file path=ppt/slideLayouts/slideLayout1.xml><?xml version="1.0" encoding="utf-8"?>
@@ -5665,7 +5724,7 @@
             </a:pPr>
             <a:r>
               <a:rPr lang="en-US" dirty="0"/>
-              <a:t>Major cardiovascular disease is recorded as causing over 600,000 deaths annually, most of which are due to heart attacks.</a:t>
+              <a:t>Major cardiovascular disease is recorded as causing over 600,000 deaths annually, most of which are due to heart attacks, making it the CVDs responsible for one in four deaths in America.</a:t>
             </a:r>
           </a:p>
           <a:p>
@@ -5987,7 +6046,7 @@
             </a:pPr>
             <a:r>
               <a:rPr lang="en-US" dirty="0"/>
-              <a:t>The purpose of my research is to incorporate electrocardiogram test results into the input of the predictive algorithm along with the clinical data in an effort to increase prediction accuracy. Clinical data input would include a person’s age, </a:t>
+              <a:t>The purpose of my research is to incorporate electrocardiogram test results into the input of the predictive algorithm along with the clinical data in an effort to increase prediction accuracy. Clinical data input would include a person’s age, cholesterol levels, gender, history of smoking, body mass index, and diabetes. Input would also include a number of cycles of an electrocardiogram.</a:t>
             </a:r>
           </a:p>
         </p:txBody>
@@ -6308,7 +6367,7 @@
         </p:nvSpPr>
         <p:spPr>
           <a:xfrm rot="5400000">
-            <a:off x="8273968" y="2530922"/>
+            <a:off x="8616868" y="2481639"/>
             <a:ext cx="926774" cy="250581"/>
           </a:xfrm>
           <a:prstGeom prst="rightArrow">
